--- a/Docs/presentation/poker (1).pptx
+++ b/Docs/presentation/poker (1).pptx
@@ -5,7 +5,7 @@
     <p:sldMasterId id="2147483648" r:id="rId1"/>
   </p:sldMasterIdLst>
   <p:notesMasterIdLst>
-    <p:notesMasterId r:id="rId26"/>
+    <p:notesMasterId r:id="rId28"/>
   </p:notesMasterIdLst>
   <p:sldIdLst>
     <p:sldId id="256" r:id="rId2"/>
@@ -32,6 +32,8 @@
     <p:sldId id="266" r:id="rId23"/>
     <p:sldId id="265" r:id="rId24"/>
     <p:sldId id="269" r:id="rId25"/>
+    <p:sldId id="281" r:id="rId26"/>
+    <p:sldId id="282" r:id="rId27"/>
   </p:sldIdLst>
   <p:sldSz cx="12192000" cy="6858000"/>
   <p:notesSz cx="6858000" cy="9144000"/>
@@ -636,7 +638,7 @@
           <a:p>
             <a:fld id="{60AA6E23-A812-46D1-9D74-B7C97E3CBDD7}" type="slidenum">
               <a:rPr lang="ru-RU"/>
-              <a:t>‹#›</a:t>
+              <a:t>15</a:t>
             </a:fld>
             <a:endParaRPr lang="ru-RU"/>
           </a:p>
@@ -720,7 +722,7 @@
           <a:p>
             <a:fld id="{60AA6E23-A812-46D1-9D74-B7C97E3CBDD7}" type="slidenum">
               <a:rPr lang="ru-RU"/>
-              <a:t>‹#›</a:t>
+              <a:t>16</a:t>
             </a:fld>
             <a:endParaRPr lang="ru-RU"/>
           </a:p>
@@ -1392,7 +1394,7 @@
           <a:p>
             <a:fld id="{60AA6E23-A812-46D1-9D74-B7C97E3CBDD7}" type="slidenum">
               <a:rPr lang="ru-RU"/>
-              <a:t>‹#›</a:t>
+              <a:t>14</a:t>
             </a:fld>
             <a:endParaRPr lang="ru-RU"/>
           </a:p>
@@ -4307,6 +4309,13 @@
   <p:clrMapOvr>
     <a:masterClrMapping/>
   </p:clrMapOvr>
+  <p:timing>
+    <p:tnLst>
+      <p:par>
+        <p:cTn id="1" dur="indefinite" restart="never" nodeType="tmRoot"/>
+      </p:par>
+    </p:tnLst>
+  </p:timing>
 </p:sld>
 </file>
 
@@ -4395,6 +4404,13 @@
   <p:clrMapOvr>
     <a:masterClrMapping/>
   </p:clrMapOvr>
+  <p:timing>
+    <p:tnLst>
+      <p:par>
+        <p:cTn id="1" dur="indefinite" restart="never" nodeType="tmRoot"/>
+      </p:par>
+    </p:tnLst>
+  </p:timing>
 </p:sld>
 </file>
 
@@ -4451,6 +4467,13 @@
   <p:clrMapOvr>
     <a:masterClrMapping/>
   </p:clrMapOvr>
+  <p:timing>
+    <p:tnLst>
+      <p:par>
+        <p:cTn id="1" dur="indefinite" restart="never" nodeType="tmRoot"/>
+      </p:par>
+    </p:tnLst>
+  </p:timing>
 </p:sld>
 </file>
 
@@ -4507,6 +4530,13 @@
   <p:clrMapOvr>
     <a:masterClrMapping/>
   </p:clrMapOvr>
+  <p:timing>
+    <p:tnLst>
+      <p:par>
+        <p:cTn id="1" dur="indefinite" restart="never" nodeType="tmRoot"/>
+      </p:par>
+    </p:tnLst>
+  </p:timing>
 </p:sld>
 </file>
 
@@ -4563,6 +4593,13 @@
   <p:clrMapOvr>
     <a:masterClrMapping/>
   </p:clrMapOvr>
+  <p:timing>
+    <p:tnLst>
+      <p:par>
+        <p:cTn id="1" dur="indefinite" restart="never" nodeType="tmRoot"/>
+      </p:par>
+    </p:tnLst>
+  </p:timing>
 </p:sld>
 </file>
 
@@ -4619,6 +4656,13 @@
   <p:clrMapOvr>
     <a:masterClrMapping/>
   </p:clrMapOvr>
+  <p:timing>
+    <p:tnLst>
+      <p:par>
+        <p:cTn id="1" dur="indefinite" restart="never" nodeType="tmRoot"/>
+      </p:par>
+    </p:tnLst>
+  </p:timing>
 </p:sld>
 </file>
 
@@ -4675,6 +4719,13 @@
   <p:clrMapOvr>
     <a:masterClrMapping/>
   </p:clrMapOvr>
+  <p:timing>
+    <p:tnLst>
+      <p:par>
+        <p:cTn id="1" dur="indefinite" restart="never" nodeType="tmRoot"/>
+      </p:par>
+    </p:tnLst>
+  </p:timing>
 </p:sld>
 </file>
 
@@ -4731,6 +4782,13 @@
   <p:clrMapOvr>
     <a:masterClrMapping/>
   </p:clrMapOvr>
+  <p:timing>
+    <p:tnLst>
+      <p:par>
+        <p:cTn id="1" dur="indefinite" restart="never" nodeType="tmRoot"/>
+      </p:par>
+    </p:tnLst>
+  </p:timing>
 </p:sld>
 </file>
 
@@ -4858,6 +4916,13 @@
   <p:clrMapOvr>
     <a:masterClrMapping/>
   </p:clrMapOvr>
+  <p:timing>
+    <p:tnLst>
+      <p:par>
+        <p:cTn id="1" dur="indefinite" restart="never" nodeType="tmRoot"/>
+      </p:par>
+    </p:tnLst>
+  </p:timing>
 </p:sld>
 </file>
 
@@ -4963,6 +5028,13 @@
   <p:clrMapOvr>
     <a:masterClrMapping/>
   </p:clrMapOvr>
+  <p:timing>
+    <p:tnLst>
+      <p:par>
+        <p:cTn id="1" dur="indefinite" restart="never" nodeType="tmRoot"/>
+      </p:par>
+    </p:tnLst>
+  </p:timing>
 </p:sld>
 </file>
 
@@ -5189,6 +5261,13 @@
   <p:clrMapOvr>
     <a:masterClrMapping/>
   </p:clrMapOvr>
+  <p:timing>
+    <p:tnLst>
+      <p:par>
+        <p:cTn id="1" dur="indefinite" restart="never" nodeType="tmRoot"/>
+      </p:par>
+    </p:tnLst>
+  </p:timing>
 </p:sld>
 </file>
 
@@ -5301,6 +5380,13 @@
   <p:clrMapOvr>
     <a:masterClrMapping/>
   </p:clrMapOvr>
+  <p:timing>
+    <p:tnLst>
+      <p:par>
+        <p:cTn id="1" dur="indefinite" restart="never" nodeType="tmRoot"/>
+      </p:par>
+    </p:tnLst>
+  </p:timing>
 </p:sld>
 </file>
 
@@ -5379,6 +5465,13 @@
   <p:clrMapOvr>
     <a:masterClrMapping/>
   </p:clrMapOvr>
+  <p:timing>
+    <p:tnLst>
+      <p:par>
+        <p:cTn id="1" dur="indefinite" restart="never" nodeType="tmRoot"/>
+      </p:par>
+    </p:tnLst>
+  </p:timing>
 </p:sld>
 </file>
 
@@ -5457,6 +5550,13 @@
   <p:clrMapOvr>
     <a:masterClrMapping/>
   </p:clrMapOvr>
+  <p:timing>
+    <p:tnLst>
+      <p:par>
+        <p:cTn id="1" dur="indefinite" restart="never" nodeType="tmRoot"/>
+      </p:par>
+    </p:tnLst>
+  </p:timing>
 </p:sld>
 </file>
 
@@ -5535,6 +5635,13 @@
   <p:clrMapOvr>
     <a:masterClrMapping/>
   </p:clrMapOvr>
+  <p:timing>
+    <p:tnLst>
+      <p:par>
+        <p:cTn id="1" dur="indefinite" restart="never" nodeType="tmRoot"/>
+      </p:par>
+    </p:tnLst>
+  </p:timing>
 </p:sld>
 </file>
 
@@ -5613,6 +5720,13 @@
   <p:clrMapOvr>
     <a:masterClrMapping/>
   </p:clrMapOvr>
+  <p:timing>
+    <p:tnLst>
+      <p:par>
+        <p:cTn id="1" dur="indefinite" restart="never" nodeType="tmRoot"/>
+      </p:par>
+    </p:tnLst>
+  </p:timing>
 </p:sld>
 </file>
 
@@ -5691,6 +5805,184 @@
   <p:clrMapOvr>
     <a:masterClrMapping/>
   </p:clrMapOvr>
+  <p:timing>
+    <p:tnLst>
+      <p:par>
+        <p:cTn id="1" dur="indefinite" restart="never" nodeType="tmRoot"/>
+      </p:par>
+    </p:tnLst>
+  </p:timing>
+</p:sld>
+</file>
+
+<file path=ppt/slides/slide25.xml><?xml version="1.0" encoding="utf-8"?>
+<p:sld xmlns:a="http://schemas.openxmlformats.org/drawingml/2006/main" xmlns:r="http://schemas.openxmlformats.org/officeDocument/2006/relationships" xmlns:p="http://schemas.openxmlformats.org/presentationml/2006/main">
+  <p:cSld>
+    <p:spTree>
+      <p:nvGrpSpPr>
+        <p:cNvPr id="1" name=""/>
+        <p:cNvGrpSpPr/>
+        <p:nvPr/>
+      </p:nvGrpSpPr>
+      <p:grpSpPr>
+        <a:xfrm>
+          <a:off x="0" y="0"/>
+          <a:ext cx="0" cy="0"/>
+          <a:chOff x="0" y="0"/>
+          <a:chExt cx="0" cy="0"/>
+        </a:xfrm>
+      </p:grpSpPr>
+      <p:sp>
+        <p:nvSpPr>
+          <p:cNvPr id="2" name="Title 1"/>
+          <p:cNvSpPr>
+            <a:spLocks noGrp="1"/>
+          </p:cNvSpPr>
+          <p:nvPr>
+            <p:ph type="title"/>
+          </p:nvPr>
+        </p:nvSpPr>
+        <p:spPr/>
+        <p:txBody>
+          <a:bodyPr/>
+          <a:lstStyle/>
+          <a:p>
+            <a:r>
+              <a:rPr lang="ru-RU" dirty="0" smtClean="0"/>
+              <a:t>Тесты</a:t>
+            </a:r>
+            <a:endParaRPr lang="en-US" dirty="0"/>
+          </a:p>
+        </p:txBody>
+      </p:sp>
+      <p:sp>
+        <p:nvSpPr>
+          <p:cNvPr id="3" name="Content Placeholder 2"/>
+          <p:cNvSpPr>
+            <a:spLocks noGrp="1"/>
+          </p:cNvSpPr>
+          <p:nvPr>
+            <p:ph idx="1"/>
+          </p:nvPr>
+        </p:nvSpPr>
+        <p:spPr/>
+        <p:txBody>
+          <a:bodyPr/>
+          <a:lstStyle/>
+          <a:p>
+            <a:r>
+              <a:rPr lang="ru-RU" dirty="0" smtClean="0"/>
+              <a:t>Определение комбинаций</a:t>
+            </a:r>
+          </a:p>
+          <a:p>
+            <a:r>
+              <a:rPr lang="ru-RU" dirty="0" smtClean="0"/>
+              <a:t>Сравнение комбинаций</a:t>
+            </a:r>
+            <a:endParaRPr lang="en-US" dirty="0"/>
+          </a:p>
+        </p:txBody>
+      </p:sp>
+    </p:spTree>
+    <p:extLst>
+      <p:ext uri="{BB962C8B-B14F-4D97-AF65-F5344CB8AC3E}">
+        <p14:creationId xmlns:p14="http://schemas.microsoft.com/office/powerpoint/2010/main" val="3506642700"/>
+      </p:ext>
+    </p:extLst>
+  </p:cSld>
+  <p:clrMapOvr>
+    <a:masterClrMapping/>
+  </p:clrMapOvr>
+</p:sld>
+</file>
+
+<file path=ppt/slides/slide26.xml><?xml version="1.0" encoding="utf-8"?>
+<p:sld xmlns:a="http://schemas.openxmlformats.org/drawingml/2006/main" xmlns:r="http://schemas.openxmlformats.org/officeDocument/2006/relationships" xmlns:p="http://schemas.openxmlformats.org/presentationml/2006/main">
+  <p:cSld>
+    <p:spTree>
+      <p:nvGrpSpPr>
+        <p:cNvPr id="1" name=""/>
+        <p:cNvGrpSpPr/>
+        <p:nvPr/>
+      </p:nvGrpSpPr>
+      <p:grpSpPr>
+        <a:xfrm>
+          <a:off x="0" y="0"/>
+          <a:ext cx="0" cy="0"/>
+          <a:chOff x="0" y="0"/>
+          <a:chExt cx="0" cy="0"/>
+        </a:xfrm>
+      </p:grpSpPr>
+      <p:pic>
+        <p:nvPicPr>
+          <p:cNvPr id="4" name="Content Placeholder 3"/>
+          <p:cNvPicPr>
+            <a:picLocks noGrp="1" noChangeAspect="1"/>
+          </p:cNvPicPr>
+          <p:nvPr>
+            <p:ph idx="1"/>
+          </p:nvPr>
+        </p:nvPicPr>
+        <p:blipFill>
+          <a:blip r:embed="rId2">
+            <a:extLst>
+              <a:ext uri="{28A0092B-C50C-407E-A947-70E740481C1C}">
+                <a14:useLocalDpi xmlns:a14="http://schemas.microsoft.com/office/drawing/2010/main" val="0"/>
+              </a:ext>
+            </a:extLst>
+          </a:blip>
+          <a:stretch>
+            <a:fillRect/>
+          </a:stretch>
+        </p:blipFill>
+        <p:spPr>
+          <a:xfrm>
+            <a:off x="523713" y="333520"/>
+            <a:ext cx="4533195" cy="6087968"/>
+          </a:xfrm>
+        </p:spPr>
+      </p:pic>
+      <p:pic>
+        <p:nvPicPr>
+          <p:cNvPr id="5" name="Picture 4"/>
+          <p:cNvPicPr>
+            <a:picLocks noChangeAspect="1"/>
+          </p:cNvPicPr>
+          <p:nvPr/>
+        </p:nvPicPr>
+        <p:blipFill>
+          <a:blip r:embed="rId3">
+            <a:extLst>
+              <a:ext uri="{28A0092B-C50C-407E-A947-70E740481C1C}">
+                <a14:useLocalDpi xmlns:a14="http://schemas.microsoft.com/office/drawing/2010/main" val="0"/>
+              </a:ext>
+            </a:extLst>
+          </a:blip>
+          <a:stretch>
+            <a:fillRect/>
+          </a:stretch>
+        </p:blipFill>
+        <p:spPr>
+          <a:xfrm>
+            <a:off x="6701578" y="333520"/>
+            <a:ext cx="3481511" cy="6385872"/>
+          </a:xfrm>
+          <a:prstGeom prst="rect">
+            <a:avLst/>
+          </a:prstGeom>
+        </p:spPr>
+      </p:pic>
+    </p:spTree>
+    <p:extLst>
+      <p:ext uri="{BB962C8B-B14F-4D97-AF65-F5344CB8AC3E}">
+        <p14:creationId xmlns:p14="http://schemas.microsoft.com/office/powerpoint/2010/main" val="340435047"/>
+      </p:ext>
+    </p:extLst>
+  </p:cSld>
+  <p:clrMapOvr>
+    <a:masterClrMapping/>
+  </p:clrMapOvr>
 </p:sld>
 </file>
 
@@ -5781,6 +6073,13 @@
   <p:clrMapOvr>
     <a:masterClrMapping/>
   </p:clrMapOvr>
+  <p:timing>
+    <p:tnLst>
+      <p:par>
+        <p:cTn id="1" dur="indefinite" restart="never" nodeType="tmRoot"/>
+      </p:par>
+    </p:tnLst>
+  </p:timing>
 </p:sld>
 </file>
 
@@ -5863,6 +6162,13 @@
   <p:clrMapOvr>
     <a:masterClrMapping/>
   </p:clrMapOvr>
+  <p:timing>
+    <p:tnLst>
+      <p:par>
+        <p:cTn id="1" dur="indefinite" restart="never" nodeType="tmRoot"/>
+      </p:par>
+    </p:tnLst>
+  </p:timing>
 </p:sld>
 </file>
 
@@ -5942,6 +6248,13 @@
   <p:clrMapOvr>
     <a:masterClrMapping/>
   </p:clrMapOvr>
+  <p:timing>
+    <p:tnLst>
+      <p:par>
+        <p:cTn id="1" dur="indefinite" restart="never" nodeType="tmRoot"/>
+      </p:par>
+    </p:tnLst>
+  </p:timing>
 </p:sld>
 </file>
 
@@ -6047,6 +6360,13 @@
   <p:clrMapOvr>
     <a:masterClrMapping/>
   </p:clrMapOvr>
+  <p:timing>
+    <p:tnLst>
+      <p:par>
+        <p:cTn id="1" dur="indefinite" restart="never" nodeType="tmRoot"/>
+      </p:par>
+    </p:tnLst>
+  </p:timing>
 </p:sld>
 </file>
 
@@ -6372,6 +6692,13 @@
   <p:clrMapOvr>
     <a:masterClrMapping/>
   </p:clrMapOvr>
+  <p:timing>
+    <p:tnLst>
+      <p:par>
+        <p:cTn id="1" dur="indefinite" restart="never" nodeType="tmRoot"/>
+      </p:par>
+    </p:tnLst>
+  </p:timing>
 </p:sld>
 </file>
 
@@ -7719,6 +8046,13 @@
   <p:clrMapOvr>
     <a:masterClrMapping/>
   </p:clrMapOvr>
+  <p:timing>
+    <p:tnLst>
+      <p:par>
+        <p:cTn id="1" dur="indefinite" restart="never" nodeType="tmRoot"/>
+      </p:par>
+    </p:tnLst>
+  </p:timing>
 </p:sld>
 </file>
 
@@ -8047,6 +8381,13 @@
   <p:clrMapOvr>
     <a:masterClrMapping/>
   </p:clrMapOvr>
+  <p:timing>
+    <p:tnLst>
+      <p:par>
+        <p:cTn id="1" dur="indefinite" restart="never" nodeType="tmRoot"/>
+      </p:par>
+    </p:tnLst>
+  </p:timing>
 </p:sld>
 </file>
 
